--- a/capstone-story-template.pptx
+++ b/capstone-story-template.pptx
@@ -1960,7 +1960,7 @@
           <a:p>
             <a:fld id="{9E497948-54D2-43F8-9A63-A99FE3051738}" type="datetimeFigureOut">
               <a:rPr lang="en-US" smtClean="0"/>
-              <a:t>16-Jul-2023</a:t>
+              <a:t>17-Jul-2023</a:t>
             </a:fld>
             <a:endParaRPr lang="en-US"/>
           </a:p>
@@ -8480,70 +8480,157 @@
         </p:spPr>
         <p:txBody>
           <a:bodyPr>
-            <a:normAutofit/>
+            <a:normAutofit lnSpcReduction="10000"/>
           </a:bodyPr>
           <a:lstStyle/>
           <a:p>
             <a:r>
-              <a:rPr lang="en-US" sz="2200" dirty="0"/>
+              <a:rPr lang="en-US" sz="2200" dirty="0">
+                <a:solidFill>
+                  <a:schemeClr val="tx1"/>
+                </a:solidFill>
+              </a:rPr>
               <a:t>Executive Summary</a:t>
             </a:r>
           </a:p>
           <a:p>
             <a:r>
-              <a:rPr lang="en-US" sz="2200" dirty="0"/>
+              <a:rPr lang="en-US" sz="2200" dirty="0">
+                <a:solidFill>
+                  <a:schemeClr val="tx1"/>
+                </a:solidFill>
+              </a:rPr>
               <a:t>Introduction</a:t>
             </a:r>
           </a:p>
           <a:p>
             <a:r>
-              <a:rPr lang="en-US" sz="2200" dirty="0"/>
+              <a:rPr lang="en-US" sz="2200" dirty="0">
+                <a:solidFill>
+                  <a:schemeClr val="tx1"/>
+                </a:solidFill>
+              </a:rPr>
               <a:t>Methodology</a:t>
             </a:r>
           </a:p>
           <a:p>
-            <a:r>
-              <a:rPr lang="en-US" sz="2200" dirty="0"/>
+            <a:pPr lvl="1"/>
+            <a:r>
+              <a:rPr lang="en-US" sz="1800" dirty="0">
+                <a:solidFill>
+                  <a:schemeClr val="tx1"/>
+                </a:solidFill>
+              </a:rPr>
+              <a:t>Data collection using API</a:t>
+            </a:r>
+          </a:p>
+          <a:p>
+            <a:pPr lvl="1"/>
+            <a:r>
+              <a:rPr lang="en-US" sz="1800" dirty="0">
+                <a:solidFill>
+                  <a:schemeClr val="tx1"/>
+                </a:solidFill>
+              </a:rPr>
+              <a:t>Data collection using </a:t>
+            </a:r>
+            <a:r>
+              <a:rPr lang="en-US" sz="1800" dirty="0" err="1">
+                <a:solidFill>
+                  <a:schemeClr val="tx1"/>
+                </a:solidFill>
+              </a:rPr>
+              <a:t>BeautifulSoup</a:t>
+            </a:r>
+            <a:endParaRPr lang="en-US" sz="1800" dirty="0">
+              <a:solidFill>
+                <a:schemeClr val="tx1"/>
+              </a:solidFill>
+            </a:endParaRPr>
+          </a:p>
+          <a:p>
+            <a:r>
+              <a:rPr lang="en-US" sz="2200" dirty="0">
+                <a:solidFill>
+                  <a:schemeClr val="tx1"/>
+                </a:solidFill>
+              </a:rPr>
               <a:t>Results</a:t>
             </a:r>
           </a:p>
           <a:p>
             <a:pPr lvl="1"/>
             <a:r>
-              <a:rPr lang="en-US" sz="1800" dirty="0"/>
+              <a:rPr lang="en-US" sz="1800" dirty="0">
+                <a:solidFill>
+                  <a:schemeClr val="tx1"/>
+                </a:solidFill>
+              </a:rPr>
               <a:t>Visualization – Charts</a:t>
             </a:r>
           </a:p>
           <a:p>
             <a:pPr lvl="1"/>
             <a:r>
-              <a:rPr lang="en-US" sz="1800" dirty="0"/>
-              <a:t>Dashboard</a:t>
-            </a:r>
-          </a:p>
-          <a:p>
-            <a:r>
-              <a:rPr lang="en-US" sz="2200" dirty="0"/>
+              <a:rPr lang="en-US" sz="1800" dirty="0">
+                <a:solidFill>
+                  <a:schemeClr val="tx1"/>
+                </a:solidFill>
+              </a:rPr>
+              <a:t>Eda using SQL</a:t>
+            </a:r>
+          </a:p>
+          <a:p>
+            <a:pPr lvl="1"/>
+            <a:r>
+              <a:rPr lang="en-US" sz="1800" dirty="0">
+                <a:solidFill>
+                  <a:schemeClr val="tx1"/>
+                </a:solidFill>
+              </a:rPr>
+              <a:t>Insights drawn</a:t>
+            </a:r>
+          </a:p>
+          <a:p>
+            <a:pPr lvl="1"/>
+            <a:r>
+              <a:rPr lang="en-US" sz="1800" dirty="0">
+                <a:solidFill>
+                  <a:schemeClr val="tx1"/>
+                </a:solidFill>
+              </a:rPr>
+              <a:t>Interactive maps with Folium</a:t>
+            </a:r>
+          </a:p>
+          <a:p>
+            <a:r>
+              <a:rPr lang="en-US" sz="2200" dirty="0">
+                <a:solidFill>
+                  <a:schemeClr val="tx1"/>
+                </a:solidFill>
+              </a:rPr>
               <a:t>Discussion</a:t>
             </a:r>
           </a:p>
           <a:p>
             <a:pPr lvl="1"/>
             <a:r>
-              <a:rPr lang="en-US" sz="1800" dirty="0"/>
+              <a:rPr lang="en-US" sz="1800" dirty="0">
+                <a:solidFill>
+                  <a:schemeClr val="tx1"/>
+                </a:solidFill>
+              </a:rPr>
               <a:t>Findings &amp; Implications</a:t>
             </a:r>
           </a:p>
           <a:p>
             <a:r>
-              <a:rPr lang="en-US" sz="2200" dirty="0"/>
+              <a:rPr lang="en-US" sz="2200" dirty="0">
+                <a:solidFill>
+                  <a:schemeClr val="tx1"/>
+                </a:solidFill>
+              </a:rPr>
               <a:t>Conclusion</a:t>
-            </a:r>
-          </a:p>
-          <a:p>
-            <a:r>
-              <a:rPr lang="en-US" sz="2200" dirty="0"/>
-              <a:t>Appendix</a:t>
             </a:r>
           </a:p>
         </p:txBody>
@@ -9644,12 +9731,6 @@
               <a:t>Summary of Results</a:t>
             </a:r>
           </a:p>
-          <a:p>
-            <a:r>
-              <a:rPr lang="en-US" sz="2200" dirty="0"/>
-              <a:t>Point5</a:t>
-            </a:r>
-          </a:p>
         </p:txBody>
       </p:sp>
       <p:pic>
@@ -11848,12 +11929,6 @@
 </file>
 
 <file path=customXml/item1.xml><?xml version="1.0" encoding="utf-8"?>
-<p:properties xmlns:p="http://schemas.microsoft.com/office/2006/metadata/properties" xmlns:xsi="http://www.w3.org/2001/XMLSchema-instance" xmlns:pc="http://schemas.microsoft.com/office/infopath/2007/PartnerControls">
-  <documentManagement/>
-</p:properties>
-</file>
-
-<file path=customXml/item2.xml><?xml version="1.0" encoding="utf-8"?>
 <ct:contentTypeSchema xmlns:ct="http://schemas.microsoft.com/office/2006/metadata/contentType" xmlns:ma="http://schemas.microsoft.com/office/2006/metadata/properties/metaAttributes" ct:_="" ma:_="" ma:contentTypeName="Document" ma:contentTypeID="0x010100EECD86F56755A646AC8AFCBCBD967F21" ma:contentTypeVersion="11" ma:contentTypeDescription="Create a new document." ma:contentTypeScope="" ma:versionID="4bc1015ece1c23b1ef2f55a62f11494f">
   <xsd:schema xmlns:xsd="http://www.w3.org/2001/XMLSchema" xmlns:xs="http://www.w3.org/2001/XMLSchema" xmlns:p="http://schemas.microsoft.com/office/2006/metadata/properties" xmlns:ns2="155be751-a274-42e8-93fb-f39d3b9bccc8" xmlns:ns3="f80a141d-92ca-4d3d-9308-f7e7b1d44ce8" targetNamespace="http://schemas.microsoft.com/office/2006/metadata/properties" ma:root="true" ma:fieldsID="efbf6837a43ed91190e40f849f23a130" ns2:_="" ns3:_="">
     <xsd:import namespace="155be751-a274-42e8-93fb-f39d3b9bccc8"/>
@@ -12064,6 +12139,12 @@
 </ct:contentTypeSchema>
 </file>
 
+<file path=customXml/item2.xml><?xml version="1.0" encoding="utf-8"?>
+<p:properties xmlns:p="http://schemas.microsoft.com/office/2006/metadata/properties" xmlns:xsi="http://www.w3.org/2001/XMLSchema-instance" xmlns:pc="http://schemas.microsoft.com/office/infopath/2007/PartnerControls">
+  <documentManagement/>
+</p:properties>
+</file>
+
 <file path=customXml/item3.xml><?xml version="1.0" encoding="utf-8"?>
 <?mso-contentType ?>
 <FormTemplates xmlns="http://schemas.microsoft.com/sharepoint/v3/contenttype/forms">
@@ -12074,15 +12155,6 @@
 </file>
 
 <file path=customXml/itemProps1.xml><?xml version="1.0" encoding="utf-8"?>
-<ds:datastoreItem xmlns:ds="http://schemas.openxmlformats.org/officeDocument/2006/customXml" ds:itemID="{54DA07C5-A406-4A0D-B3E6-3856C94AC7F3}">
-  <ds:schemaRefs>
-    <ds:schemaRef ds:uri="http://schemas.microsoft.com/office/2006/metadata/properties"/>
-    <ds:schemaRef ds:uri="http://schemas.microsoft.com/office/infopath/2007/PartnerControls"/>
-  </ds:schemaRefs>
-</ds:datastoreItem>
-</file>
-
-<file path=customXml/itemProps2.xml><?xml version="1.0" encoding="utf-8"?>
 <ds:datastoreItem xmlns:ds="http://schemas.openxmlformats.org/officeDocument/2006/customXml" ds:itemID="{887AE8FE-83F0-42D0-BB5E-14AD3FB1DE17}">
   <ds:schemaRefs>
     <ds:schemaRef ds:uri="http://schemas.microsoft.com/office/2006/metadata/contentType"/>
@@ -12101,6 +12173,15 @@
 </ds:datastoreItem>
 </file>
 
+<file path=customXml/itemProps2.xml><?xml version="1.0" encoding="utf-8"?>
+<ds:datastoreItem xmlns:ds="http://schemas.openxmlformats.org/officeDocument/2006/customXml" ds:itemID="{54DA07C5-A406-4A0D-B3E6-3856C94AC7F3}">
+  <ds:schemaRefs>
+    <ds:schemaRef ds:uri="http://schemas.microsoft.com/office/2006/metadata/properties"/>
+    <ds:schemaRef ds:uri="http://schemas.microsoft.com/office/infopath/2007/PartnerControls"/>
+  </ds:schemaRefs>
+</ds:datastoreItem>
+</file>
+
 <file path=customXml/itemProps3.xml><?xml version="1.0" encoding="utf-8"?>
 <ds:datastoreItem xmlns:ds="http://schemas.openxmlformats.org/officeDocument/2006/customXml" ds:itemID="{7EFDA260-DDA0-422C-B7AE-778F653FBB36}">
   <ds:schemaRefs>
